--- a/Nhom8-AI.pptx
+++ b/Nhom8-AI.pptx
@@ -659,7 +659,7 @@
           <a:p>
             <a:fld id="{C03802A1-4655-4533-A75C-13AEA13BDC75}" type="datetimeFigureOut">
               <a:rPr lang="en-US" smtClean="0"/>
-              <a:t>12/12/2025</a:t>
+              <a:t>12/13/2025</a:t>
             </a:fld>
             <a:endParaRPr lang="en-US"/>
           </a:p>
@@ -955,7 +955,7 @@
           <a:p>
             <a:fld id="{C03802A1-4655-4533-A75C-13AEA13BDC75}" type="datetimeFigureOut">
               <a:rPr lang="en-US" smtClean="0"/>
-              <a:t>12/12/2025</a:t>
+              <a:t>12/13/2025</a:t>
             </a:fld>
             <a:endParaRPr lang="en-US"/>
           </a:p>
@@ -1203,7 +1203,7 @@
           <a:p>
             <a:fld id="{C03802A1-4655-4533-A75C-13AEA13BDC75}" type="datetimeFigureOut">
               <a:rPr lang="en-US" smtClean="0"/>
-              <a:t>12/12/2025</a:t>
+              <a:t>12/13/2025</a:t>
             </a:fld>
             <a:endParaRPr lang="en-US"/>
           </a:p>
@@ -1743,7 +1743,7 @@
           <a:p>
             <a:fld id="{C03802A1-4655-4533-A75C-13AEA13BDC75}" type="datetimeFigureOut">
               <a:rPr lang="en-US" smtClean="0"/>
-              <a:t>12/12/2025</a:t>
+              <a:t>12/13/2025</a:t>
             </a:fld>
             <a:endParaRPr lang="en-US"/>
           </a:p>
@@ -1991,7 +1991,7 @@
           <a:p>
             <a:fld id="{C03802A1-4655-4533-A75C-13AEA13BDC75}" type="datetimeFigureOut">
               <a:rPr lang="en-US" smtClean="0"/>
-              <a:t>12/12/2025</a:t>
+              <a:t>12/13/2025</a:t>
             </a:fld>
             <a:endParaRPr lang="en-US"/>
           </a:p>
@@ -2523,7 +2523,7 @@
           <a:p>
             <a:fld id="{C03802A1-4655-4533-A75C-13AEA13BDC75}" type="datetimeFigureOut">
               <a:rPr lang="en-US" smtClean="0"/>
-              <a:t>12/12/2025</a:t>
+              <a:t>12/13/2025</a:t>
             </a:fld>
             <a:endParaRPr lang="en-US"/>
           </a:p>
@@ -2820,7 +2820,7 @@
           <a:p>
             <a:fld id="{C03802A1-4655-4533-A75C-13AEA13BDC75}" type="datetimeFigureOut">
               <a:rPr lang="en-US" smtClean="0"/>
-              <a:t>12/12/2025</a:t>
+              <a:t>12/13/2025</a:t>
             </a:fld>
             <a:endParaRPr lang="en-US"/>
           </a:p>
@@ -2994,7 +2994,7 @@
           <a:p>
             <a:fld id="{C03802A1-4655-4533-A75C-13AEA13BDC75}" type="datetimeFigureOut">
               <a:rPr lang="en-US" smtClean="0"/>
-              <a:t>12/12/2025</a:t>
+              <a:t>12/13/2025</a:t>
             </a:fld>
             <a:endParaRPr lang="en-US"/>
           </a:p>
@@ -3174,7 +3174,7 @@
           <a:p>
             <a:fld id="{C03802A1-4655-4533-A75C-13AEA13BDC75}" type="datetimeFigureOut">
               <a:rPr lang="en-US" smtClean="0"/>
-              <a:t>12/12/2025</a:t>
+              <a:t>12/13/2025</a:t>
             </a:fld>
             <a:endParaRPr lang="en-US"/>
           </a:p>
@@ -3980,7 +3980,7 @@
           <a:p>
             <a:fld id="{C03802A1-4655-4533-A75C-13AEA13BDC75}" type="datetimeFigureOut">
               <a:rPr lang="en-US" smtClean="0"/>
-              <a:t>12/12/2025</a:t>
+              <a:t>12/13/2025</a:t>
             </a:fld>
             <a:endParaRPr lang="en-US"/>
           </a:p>
@@ -4150,7 +4150,7 @@
           <a:p>
             <a:fld id="{C03802A1-4655-4533-A75C-13AEA13BDC75}" type="datetimeFigureOut">
               <a:rPr lang="en-US" smtClean="0"/>
-              <a:t>12/12/2025</a:t>
+              <a:t>12/13/2025</a:t>
             </a:fld>
             <a:endParaRPr lang="en-US"/>
           </a:p>
@@ -4320,7 +4320,7 @@
           <a:p>
             <a:fld id="{C03802A1-4655-4533-A75C-13AEA13BDC75}" type="datetimeFigureOut">
               <a:rPr lang="en-US" smtClean="0"/>
-              <a:t>12/12/2025</a:t>
+              <a:t>12/13/2025</a:t>
             </a:fld>
             <a:endParaRPr lang="en-US"/>
           </a:p>
@@ -4572,7 +4572,7 @@
           <a:p>
             <a:fld id="{C03802A1-4655-4533-A75C-13AEA13BDC75}" type="datetimeFigureOut">
               <a:rPr lang="en-US" smtClean="0"/>
-              <a:t>12/12/2025</a:t>
+              <a:t>12/13/2025</a:t>
             </a:fld>
             <a:endParaRPr lang="en-US"/>
           </a:p>
@@ -4804,7 +4804,7 @@
           <a:p>
             <a:fld id="{C03802A1-4655-4533-A75C-13AEA13BDC75}" type="datetimeFigureOut">
               <a:rPr lang="en-US" smtClean="0"/>
-              <a:t>12/12/2025</a:t>
+              <a:t>12/13/2025</a:t>
             </a:fld>
             <a:endParaRPr lang="en-US"/>
           </a:p>
@@ -5178,7 +5178,7 @@
           <a:p>
             <a:fld id="{C03802A1-4655-4533-A75C-13AEA13BDC75}" type="datetimeFigureOut">
               <a:rPr lang="en-US" smtClean="0"/>
-              <a:t>12/12/2025</a:t>
+              <a:t>12/13/2025</a:t>
             </a:fld>
             <a:endParaRPr lang="en-US"/>
           </a:p>
@@ -5301,7 +5301,7 @@
           <a:p>
             <a:fld id="{C03802A1-4655-4533-A75C-13AEA13BDC75}" type="datetimeFigureOut">
               <a:rPr lang="en-US" smtClean="0"/>
-              <a:t>12/12/2025</a:t>
+              <a:t>12/13/2025</a:t>
             </a:fld>
             <a:endParaRPr lang="en-US"/>
           </a:p>
@@ -5396,7 +5396,7 @@
           <a:p>
             <a:fld id="{C03802A1-4655-4533-A75C-13AEA13BDC75}" type="datetimeFigureOut">
               <a:rPr lang="en-US" smtClean="0"/>
-              <a:t>12/12/2025</a:t>
+              <a:t>12/13/2025</a:t>
             </a:fld>
             <a:endParaRPr lang="en-US"/>
           </a:p>
@@ -5651,7 +5651,7 @@
           <a:p>
             <a:fld id="{C03802A1-4655-4533-A75C-13AEA13BDC75}" type="datetimeFigureOut">
               <a:rPr lang="en-US" smtClean="0"/>
-              <a:t>12/12/2025</a:t>
+              <a:t>12/13/2025</a:t>
             </a:fld>
             <a:endParaRPr lang="en-US"/>
           </a:p>
@@ -5956,7 +5956,7 @@
           <a:p>
             <a:fld id="{C03802A1-4655-4533-A75C-13AEA13BDC75}" type="datetimeFigureOut">
               <a:rPr lang="en-US" smtClean="0"/>
-              <a:t>12/12/2025</a:t>
+              <a:t>12/13/2025</a:t>
             </a:fld>
             <a:endParaRPr lang="en-US"/>
           </a:p>
@@ -6165,7 +6165,7 @@
           <a:p>
             <a:fld id="{C03802A1-4655-4533-A75C-13AEA13BDC75}" type="datetimeFigureOut">
               <a:rPr lang="en-US" smtClean="0"/>
-              <a:t>12/12/2025</a:t>
+              <a:t>12/13/2025</a:t>
             </a:fld>
             <a:endParaRPr lang="en-US"/>
           </a:p>
@@ -6479,7 +6479,7 @@
           <a:p>
             <a:fld id="{C03802A1-4655-4533-A75C-13AEA13BDC75}" type="datetimeFigureOut">
               <a:rPr lang="en-US" smtClean="0"/>
-              <a:t>12/12/2025</a:t>
+              <a:t>12/13/2025</a:t>
             </a:fld>
             <a:endParaRPr lang="en-US"/>
           </a:p>
@@ -6812,7 +6812,7 @@
           <a:p>
             <a:fld id="{C03802A1-4655-4533-A75C-13AEA13BDC75}" type="datetimeFigureOut">
               <a:rPr lang="en-US" smtClean="0"/>
-              <a:t>12/12/2025</a:t>
+              <a:t>12/13/2025</a:t>
             </a:fld>
             <a:endParaRPr lang="en-US"/>
           </a:p>
@@ -7058,7 +7058,7 @@
           <a:p>
             <a:fld id="{C03802A1-4655-4533-A75C-13AEA13BDC75}" type="datetimeFigureOut">
               <a:rPr lang="en-US" smtClean="0"/>
-              <a:t>12/12/2025</a:t>
+              <a:t>12/13/2025</a:t>
             </a:fld>
             <a:endParaRPr lang="en-US"/>
           </a:p>
@@ -7372,7 +7372,7 @@
           <a:p>
             <a:fld id="{C03802A1-4655-4533-A75C-13AEA13BDC75}" type="datetimeFigureOut">
               <a:rPr lang="en-US" smtClean="0"/>
-              <a:t>12/12/2025</a:t>
+              <a:t>12/13/2025</a:t>
             </a:fld>
             <a:endParaRPr lang="en-US"/>
           </a:p>
@@ -7765,7 +7765,7 @@
           <a:p>
             <a:fld id="{C03802A1-4655-4533-A75C-13AEA13BDC75}" type="datetimeFigureOut">
               <a:rPr lang="en-US" smtClean="0"/>
-              <a:t>12/12/2025</a:t>
+              <a:t>12/13/2025</a:t>
             </a:fld>
             <a:endParaRPr lang="en-US"/>
           </a:p>
@@ -7935,7 +7935,7 @@
           <a:p>
             <a:fld id="{C03802A1-4655-4533-A75C-13AEA13BDC75}" type="datetimeFigureOut">
               <a:rPr lang="en-US" smtClean="0"/>
-              <a:t>12/12/2025</a:t>
+              <a:t>12/13/2025</a:t>
             </a:fld>
             <a:endParaRPr lang="en-US"/>
           </a:p>
@@ -8115,7 +8115,7 @@
           <a:p>
             <a:fld id="{C03802A1-4655-4533-A75C-13AEA13BDC75}" type="datetimeFigureOut">
               <a:rPr lang="en-US" smtClean="0"/>
-              <a:t>12/12/2025</a:t>
+              <a:t>12/13/2025</a:t>
             </a:fld>
             <a:endParaRPr lang="en-US"/>
           </a:p>
@@ -8412,7 +8412,7 @@
           <a:p>
             <a:fld id="{C03802A1-4655-4533-A75C-13AEA13BDC75}" type="datetimeFigureOut">
               <a:rPr lang="en-US" smtClean="0"/>
-              <a:t>12/12/2025</a:t>
+              <a:t>12/13/2025</a:t>
             </a:fld>
             <a:endParaRPr lang="en-US"/>
           </a:p>
@@ -8854,7 +8854,7 @@
           <a:p>
             <a:fld id="{C03802A1-4655-4533-A75C-13AEA13BDC75}" type="datetimeFigureOut">
               <a:rPr lang="en-US" smtClean="0"/>
-              <a:t>12/12/2025</a:t>
+              <a:t>12/13/2025</a:t>
             </a:fld>
             <a:endParaRPr lang="en-US"/>
           </a:p>
@@ -8972,7 +8972,7 @@
           <a:p>
             <a:fld id="{C03802A1-4655-4533-A75C-13AEA13BDC75}" type="datetimeFigureOut">
               <a:rPr lang="en-US" smtClean="0"/>
-              <a:t>12/12/2025</a:t>
+              <a:t>12/13/2025</a:t>
             </a:fld>
             <a:endParaRPr lang="en-US"/>
           </a:p>
@@ -9067,7 +9067,7 @@
           <a:p>
             <a:fld id="{C03802A1-4655-4533-A75C-13AEA13BDC75}" type="datetimeFigureOut">
               <a:rPr lang="en-US" smtClean="0"/>
-              <a:t>12/12/2025</a:t>
+              <a:t>12/13/2025</a:t>
             </a:fld>
             <a:endParaRPr lang="en-US"/>
           </a:p>
@@ -9350,7 +9350,7 @@
           <a:p>
             <a:fld id="{C03802A1-4655-4533-A75C-13AEA13BDC75}" type="datetimeFigureOut">
               <a:rPr lang="en-US" smtClean="0"/>
-              <a:t>12/12/2025</a:t>
+              <a:t>12/13/2025</a:t>
             </a:fld>
             <a:endParaRPr lang="en-US"/>
           </a:p>
@@ -9641,7 +9641,7 @@
           <a:p>
             <a:fld id="{C03802A1-4655-4533-A75C-13AEA13BDC75}" type="datetimeFigureOut">
               <a:rPr lang="en-US" smtClean="0"/>
-              <a:t>12/12/2025</a:t>
+              <a:t>12/13/2025</a:t>
             </a:fld>
             <a:endParaRPr lang="en-US"/>
           </a:p>
@@ -10171,7 +10171,7 @@
           <a:p>
             <a:fld id="{C03802A1-4655-4533-A75C-13AEA13BDC75}" type="datetimeFigureOut">
               <a:rPr lang="en-US" smtClean="0"/>
-              <a:t>12/12/2025</a:t>
+              <a:t>12/13/2025</a:t>
             </a:fld>
             <a:endParaRPr lang="en-US"/>
           </a:p>
@@ -11368,7 +11368,7 @@
           <a:p>
             <a:fld id="{C03802A1-4655-4533-A75C-13AEA13BDC75}" type="datetimeFigureOut">
               <a:rPr lang="en-US" smtClean="0"/>
-              <a:t>12/12/2025</a:t>
+              <a:t>12/13/2025</a:t>
             </a:fld>
             <a:endParaRPr lang="en-US"/>
           </a:p>
@@ -11894,6 +11894,144 @@
       </p:grpSpPr>
       <p:sp>
         <p:nvSpPr>
+          <p:cNvPr id="9" name="!!Ten1">
+            <a:extLst>
+              <a:ext uri="{FF2B5EF4-FFF2-40B4-BE49-F238E27FC236}">
+                <a16:creationId xmlns:a16="http://schemas.microsoft.com/office/drawing/2014/main" id="{DF1969D4-D769-345C-E17A-2A4AB9ACC667}"/>
+              </a:ext>
+            </a:extLst>
+          </p:cNvPr>
+          <p:cNvSpPr/>
+          <p:nvPr/>
+        </p:nvSpPr>
+        <p:spPr>
+          <a:xfrm>
+            <a:off x="-307912" y="616695"/>
+            <a:ext cx="3956180" cy="946215"/>
+          </a:xfrm>
+          <a:prstGeom prst="parallelogram">
+            <a:avLst/>
+          </a:prstGeom>
+        </p:spPr>
+        <p:style>
+          <a:lnRef idx="2">
+            <a:schemeClr val="accent1">
+              <a:shade val="15000"/>
+            </a:schemeClr>
+          </a:lnRef>
+          <a:fillRef idx="1">
+            <a:schemeClr val="accent1"/>
+          </a:fillRef>
+          <a:effectRef idx="0">
+            <a:schemeClr val="accent1"/>
+          </a:effectRef>
+          <a:fontRef idx="minor">
+            <a:schemeClr val="lt1"/>
+          </a:fontRef>
+        </p:style>
+        <p:txBody>
+          <a:bodyPr rtlCol="0" anchor="ctr"/>
+          <a:lstStyle/>
+          <a:p>
+            <a:pPr algn="ctr"/>
+            <a:endParaRPr lang="en-US"/>
+          </a:p>
+        </p:txBody>
+      </p:sp>
+      <p:sp>
+        <p:nvSpPr>
+          <p:cNvPr id="4" name="!!Ten1">
+            <a:extLst>
+              <a:ext uri="{FF2B5EF4-FFF2-40B4-BE49-F238E27FC236}">
+                <a16:creationId xmlns:a16="http://schemas.microsoft.com/office/drawing/2014/main" id="{6ECE7AB6-27C2-1A8A-1449-AA9899DD8B93}"/>
+              </a:ext>
+            </a:extLst>
+          </p:cNvPr>
+          <p:cNvSpPr/>
+          <p:nvPr/>
+        </p:nvSpPr>
+        <p:spPr>
+          <a:xfrm>
+            <a:off x="-307912" y="620624"/>
+            <a:ext cx="3956180" cy="946215"/>
+          </a:xfrm>
+          <a:prstGeom prst="parallelogram">
+            <a:avLst/>
+          </a:prstGeom>
+        </p:spPr>
+        <p:style>
+          <a:lnRef idx="2">
+            <a:schemeClr val="accent1">
+              <a:shade val="15000"/>
+            </a:schemeClr>
+          </a:lnRef>
+          <a:fillRef idx="1">
+            <a:schemeClr val="accent1"/>
+          </a:fillRef>
+          <a:effectRef idx="0">
+            <a:schemeClr val="accent1"/>
+          </a:effectRef>
+          <a:fontRef idx="minor">
+            <a:schemeClr val="lt1"/>
+          </a:fontRef>
+        </p:style>
+        <p:txBody>
+          <a:bodyPr rtlCol="0" anchor="ctr"/>
+          <a:lstStyle/>
+          <a:p>
+            <a:pPr algn="ctr"/>
+            <a:endParaRPr lang="en-US"/>
+          </a:p>
+        </p:txBody>
+      </p:sp>
+      <p:sp>
+        <p:nvSpPr>
+          <p:cNvPr id="3" name="!!Ten1">
+            <a:extLst>
+              <a:ext uri="{FF2B5EF4-FFF2-40B4-BE49-F238E27FC236}">
+                <a16:creationId xmlns:a16="http://schemas.microsoft.com/office/drawing/2014/main" id="{CFC72D5F-F082-F3C0-895B-CC966ACECA7F}"/>
+              </a:ext>
+            </a:extLst>
+          </p:cNvPr>
+          <p:cNvSpPr/>
+          <p:nvPr/>
+        </p:nvSpPr>
+        <p:spPr>
+          <a:xfrm>
+            <a:off x="-307912" y="604664"/>
+            <a:ext cx="3956180" cy="946215"/>
+          </a:xfrm>
+          <a:prstGeom prst="parallelogram">
+            <a:avLst/>
+          </a:prstGeom>
+        </p:spPr>
+        <p:style>
+          <a:lnRef idx="2">
+            <a:schemeClr val="accent1">
+              <a:shade val="15000"/>
+            </a:schemeClr>
+          </a:lnRef>
+          <a:fillRef idx="1">
+            <a:schemeClr val="accent1"/>
+          </a:fillRef>
+          <a:effectRef idx="0">
+            <a:schemeClr val="accent1"/>
+          </a:effectRef>
+          <a:fontRef idx="minor">
+            <a:schemeClr val="lt1"/>
+          </a:fontRef>
+        </p:style>
+        <p:txBody>
+          <a:bodyPr rtlCol="0" anchor="ctr"/>
+          <a:lstStyle/>
+          <a:p>
+            <a:pPr algn="ctr"/>
+            <a:endParaRPr lang="en-US"/>
+          </a:p>
+        </p:txBody>
+      </p:sp>
+      <p:sp>
+        <p:nvSpPr>
           <p:cNvPr id="7" name="Subtitle 2">
             <a:extLst>
               <a:ext uri="{FF2B5EF4-FFF2-40B4-BE49-F238E27FC236}">
@@ -12486,7 +12624,7 @@
       </p:sp>
       <p:sp>
         <p:nvSpPr>
-          <p:cNvPr id="10" name="Parallelogram 9">
+          <p:cNvPr id="10" name="!!Ten1">
             <a:extLst>
               <a:ext uri="{FF2B5EF4-FFF2-40B4-BE49-F238E27FC236}">
                 <a16:creationId xmlns:a16="http://schemas.microsoft.com/office/drawing/2014/main" id="{8CF01BAC-7039-B2AF-E7BD-D6C968D877F4}"/>
@@ -12548,7 +12686,7 @@
         </p:nvSpPr>
         <p:spPr>
           <a:xfrm>
-            <a:off x="463964" y="773670"/>
+            <a:off x="619838" y="765691"/>
             <a:ext cx="2100681" cy="624163"/>
           </a:xfrm>
         </p:spPr>
@@ -12600,6 +12738,18 @@
   <p:clrMapOvr>
     <a:masterClrMapping/>
   </p:clrMapOvr>
+  <mc:AlternateContent xmlns:mc="http://schemas.openxmlformats.org/markup-compatibility/2006">
+    <mc:Choice xmlns:p159="http://schemas.microsoft.com/office/powerpoint/2015/09/main" Requires="p159">
+      <p:transition xmlns:p14="http://schemas.microsoft.com/office/powerpoint/2010/main" spd="slow" p14:dur="2000">
+        <p159:morph option="byObject"/>
+      </p:transition>
+    </mc:Choice>
+    <mc:Fallback>
+      <p:transition spd="slow">
+        <p:fade/>
+      </p:transition>
+    </mc:Fallback>
+  </mc:AlternateContent>
 </p:sld>
 </file>
 
@@ -12733,6 +12883,18 @@
   <p:clrMapOvr>
     <a:masterClrMapping/>
   </p:clrMapOvr>
+  <mc:AlternateContent xmlns:mc="http://schemas.openxmlformats.org/markup-compatibility/2006">
+    <mc:Choice xmlns:p159="http://schemas.microsoft.com/office/powerpoint/2015/09/main" Requires="p159">
+      <p:transition xmlns:p14="http://schemas.microsoft.com/office/powerpoint/2010/main" spd="slow" p14:dur="2000">
+        <p159:morph option="byObject"/>
+      </p:transition>
+    </mc:Choice>
+    <mc:Fallback>
+      <p:transition spd="slow">
+        <p:fade/>
+      </p:transition>
+    </mc:Fallback>
+  </mc:AlternateContent>
 </p:sld>
 </file>
 
@@ -13235,6 +13397,18 @@
   <p:clrMapOvr>
     <a:masterClrMapping/>
   </p:clrMapOvr>
+  <mc:AlternateContent xmlns:mc="http://schemas.openxmlformats.org/markup-compatibility/2006">
+    <mc:Choice xmlns:p159="http://schemas.microsoft.com/office/powerpoint/2015/09/main" Requires="p159">
+      <p:transition xmlns:p14="http://schemas.microsoft.com/office/powerpoint/2010/main" spd="slow" p14:dur="2000">
+        <p159:morph option="byObject"/>
+      </p:transition>
+    </mc:Choice>
+    <mc:Fallback>
+      <p:transition spd="slow">
+        <p:fade/>
+      </p:transition>
+    </mc:Fallback>
+  </mc:AlternateContent>
 </p:sld>
 </file>
 
@@ -13943,6 +14117,18 @@
   <p:clrMapOvr>
     <a:masterClrMapping/>
   </p:clrMapOvr>
+  <mc:AlternateContent xmlns:mc="http://schemas.openxmlformats.org/markup-compatibility/2006">
+    <mc:Choice xmlns:p159="http://schemas.microsoft.com/office/powerpoint/2015/09/main" Requires="p159">
+      <p:transition xmlns:p14="http://schemas.microsoft.com/office/powerpoint/2010/main" spd="slow" p14:dur="2000">
+        <p159:morph option="byObject"/>
+      </p:transition>
+    </mc:Choice>
+    <mc:Fallback>
+      <p:transition spd="slow">
+        <p:fade/>
+      </p:transition>
+    </mc:Fallback>
+  </mc:AlternateContent>
 </p:sld>
 </file>
 
@@ -14592,6 +14778,18 @@
   <p:clrMapOvr>
     <a:masterClrMapping/>
   </p:clrMapOvr>
+  <mc:AlternateContent xmlns:mc="http://schemas.openxmlformats.org/markup-compatibility/2006">
+    <mc:Choice xmlns:p159="http://schemas.microsoft.com/office/powerpoint/2015/09/main" Requires="p159">
+      <p:transition xmlns:p14="http://schemas.microsoft.com/office/powerpoint/2010/main" spd="slow" p14:dur="2000">
+        <p159:morph option="byObject"/>
+      </p:transition>
+    </mc:Choice>
+    <mc:Fallback>
+      <p:transition spd="slow">
+        <p:fade/>
+      </p:transition>
+    </mc:Fallback>
+  </mc:AlternateContent>
 </p:sld>
 </file>
 
@@ -14812,6 +15010,18 @@
   <p:clrMapOvr>
     <a:masterClrMapping/>
   </p:clrMapOvr>
+  <mc:AlternateContent xmlns:mc="http://schemas.openxmlformats.org/markup-compatibility/2006">
+    <mc:Choice xmlns:p159="http://schemas.microsoft.com/office/powerpoint/2015/09/main" Requires="p159">
+      <p:transition xmlns:p14="http://schemas.microsoft.com/office/powerpoint/2010/main" spd="slow" p14:dur="2000">
+        <p159:morph option="byObject"/>
+      </p:transition>
+    </mc:Choice>
+    <mc:Fallback>
+      <p:transition spd="slow">
+        <p:fade/>
+      </p:transition>
+    </mc:Fallback>
+  </mc:AlternateContent>
 </p:sld>
 </file>
 
@@ -14954,6 +15164,18 @@
   <p:clrMapOvr>
     <a:masterClrMapping/>
   </p:clrMapOvr>
+  <mc:AlternateContent xmlns:mc="http://schemas.openxmlformats.org/markup-compatibility/2006">
+    <mc:Choice xmlns:p159="http://schemas.microsoft.com/office/powerpoint/2015/09/main" Requires="p159">
+      <p:transition xmlns:p14="http://schemas.microsoft.com/office/powerpoint/2010/main" spd="slow" p14:dur="2000">
+        <p159:morph option="byObject"/>
+      </p:transition>
+    </mc:Choice>
+    <mc:Fallback>
+      <p:transition spd="slow">
+        <p:fade/>
+      </p:transition>
+    </mc:Fallback>
+  </mc:AlternateContent>
 </p:sld>
 </file>
 
@@ -15073,6 +15295,18 @@
   <p:clrMapOvr>
     <a:masterClrMapping/>
   </p:clrMapOvr>
+  <mc:AlternateContent xmlns:mc="http://schemas.openxmlformats.org/markup-compatibility/2006">
+    <mc:Choice xmlns:p159="http://schemas.microsoft.com/office/powerpoint/2015/09/main" Requires="p159">
+      <p:transition xmlns:p14="http://schemas.microsoft.com/office/powerpoint/2010/main" spd="slow" p14:dur="2000">
+        <p159:morph option="byObject"/>
+      </p:transition>
+    </mc:Choice>
+    <mc:Fallback>
+      <p:transition spd="slow">
+        <p:fade/>
+      </p:transition>
+    </mc:Fallback>
+  </mc:AlternateContent>
 </p:sld>
 </file>
 
@@ -15494,6 +15728,18 @@
   <p:clrMapOvr>
     <a:masterClrMapping/>
   </p:clrMapOvr>
+  <mc:AlternateContent xmlns:mc="http://schemas.openxmlformats.org/markup-compatibility/2006">
+    <mc:Choice xmlns:p159="http://schemas.microsoft.com/office/powerpoint/2015/09/main" Requires="p159">
+      <p:transition xmlns:p14="http://schemas.microsoft.com/office/powerpoint/2010/main" spd="slow" p14:dur="2000">
+        <p159:morph option="byObject"/>
+      </p:transition>
+    </mc:Choice>
+    <mc:Fallback>
+      <p:transition spd="slow">
+        <p:fade/>
+      </p:transition>
+    </mc:Fallback>
+  </mc:AlternateContent>
 </p:sld>
 </file>
 
@@ -15886,6 +16132,18 @@
   <p:clrMapOvr>
     <a:masterClrMapping/>
   </p:clrMapOvr>
+  <mc:AlternateContent xmlns:mc="http://schemas.openxmlformats.org/markup-compatibility/2006">
+    <mc:Choice xmlns:p159="http://schemas.microsoft.com/office/powerpoint/2015/09/main" Requires="p159">
+      <p:transition xmlns:p14="http://schemas.microsoft.com/office/powerpoint/2010/main" spd="slow" p14:dur="2000">
+        <p159:morph option="byObject"/>
+      </p:transition>
+    </mc:Choice>
+    <mc:Fallback>
+      <p:transition spd="slow">
+        <p:fade/>
+      </p:transition>
+    </mc:Fallback>
+  </mc:AlternateContent>
 </p:sld>
 </file>
 
@@ -15959,6 +16217,18 @@
   <p:clrMapOvr>
     <a:masterClrMapping/>
   </p:clrMapOvr>
+  <mc:AlternateContent xmlns:mc="http://schemas.openxmlformats.org/markup-compatibility/2006">
+    <mc:Choice xmlns:p159="http://schemas.microsoft.com/office/powerpoint/2015/09/main" Requires="p159">
+      <p:transition xmlns:p14="http://schemas.microsoft.com/office/powerpoint/2010/main" spd="slow" p14:dur="2000">
+        <p159:morph option="byObject"/>
+      </p:transition>
+    </mc:Choice>
+    <mc:Fallback>
+      <p:transition spd="slow">
+        <p:fade/>
+      </p:transition>
+    </mc:Fallback>
+  </mc:AlternateContent>
 </p:sld>
 </file>
 
@@ -16161,7 +16431,7 @@
       </p:sp>
       <p:sp>
         <p:nvSpPr>
-          <p:cNvPr id="14" name="Parallelogram 13">
+          <p:cNvPr id="14" name="!!Ten1">
             <a:extLst>
               <a:ext uri="{FF2B5EF4-FFF2-40B4-BE49-F238E27FC236}">
                 <a16:creationId xmlns:a16="http://schemas.microsoft.com/office/drawing/2014/main" id="{B8B9DBBA-555F-BD9B-405F-BA4222349E0D}"/>
@@ -16263,7 +16533,7 @@
       </p:sp>
       <p:sp>
         <p:nvSpPr>
-          <p:cNvPr id="16" name="Parallelogram 15">
+          <p:cNvPr id="16" name="!!Ten1">
             <a:extLst>
               <a:ext uri="{FF2B5EF4-FFF2-40B4-BE49-F238E27FC236}">
                 <a16:creationId xmlns:a16="http://schemas.microsoft.com/office/drawing/2014/main" id="{345354EE-0258-AC73-2D77-D2D1C0733AE3}"/>
@@ -16379,7 +16649,7 @@
       </p:sp>
       <p:sp>
         <p:nvSpPr>
-          <p:cNvPr id="18" name="Parallelogram 17">
+          <p:cNvPr id="18" name="!!Ten1">
             <a:extLst>
               <a:ext uri="{FF2B5EF4-FFF2-40B4-BE49-F238E27FC236}">
                 <a16:creationId xmlns:a16="http://schemas.microsoft.com/office/drawing/2014/main" id="{D8458CD2-CF2D-BB87-4677-62F527857256}"/>
@@ -16481,7 +16751,7 @@
       </p:sp>
       <p:sp>
         <p:nvSpPr>
-          <p:cNvPr id="20" name="Parallelogram 19">
+          <p:cNvPr id="20" name="!!Ten1">
             <a:extLst>
               <a:ext uri="{FF2B5EF4-FFF2-40B4-BE49-F238E27FC236}">
                 <a16:creationId xmlns:a16="http://schemas.microsoft.com/office/drawing/2014/main" id="{2C425DB6-D6B7-F773-CF60-8A7C75FB6020}"/>
@@ -16591,6 +16861,18 @@
   <p:clrMapOvr>
     <a:masterClrMapping/>
   </p:clrMapOvr>
+  <mc:AlternateContent xmlns:mc="http://schemas.openxmlformats.org/markup-compatibility/2006">
+    <mc:Choice xmlns:p159="http://schemas.microsoft.com/office/powerpoint/2015/09/main" Requires="p159">
+      <p:transition xmlns:p14="http://schemas.microsoft.com/office/powerpoint/2010/main" spd="slow" p14:dur="2000">
+        <p159:morph option="byObject"/>
+      </p:transition>
+    </mc:Choice>
+    <mc:Fallback>
+      <p:transition spd="slow">
+        <p:fade/>
+      </p:transition>
+    </mc:Fallback>
+  </mc:AlternateContent>
 </p:sld>
 </file>
 
@@ -16754,6 +17036,18 @@
   <p:clrMapOvr>
     <a:masterClrMapping/>
   </p:clrMapOvr>
+  <mc:AlternateContent xmlns:mc="http://schemas.openxmlformats.org/markup-compatibility/2006">
+    <mc:Choice xmlns:p159="http://schemas.microsoft.com/office/powerpoint/2015/09/main" Requires="p159">
+      <p:transition xmlns:p14="http://schemas.microsoft.com/office/powerpoint/2010/main" spd="slow" p14:dur="2000">
+        <p159:morph option="byObject"/>
+      </p:transition>
+    </mc:Choice>
+    <mc:Fallback>
+      <p:transition spd="slow">
+        <p:fade/>
+      </p:transition>
+    </mc:Fallback>
+  </mc:AlternateContent>
   <p:timing>
     <p:tnLst>
       <p:par>
@@ -17064,6 +17358,18 @@
   <p:clrMapOvr>
     <a:masterClrMapping/>
   </p:clrMapOvr>
+  <mc:AlternateContent xmlns:mc="http://schemas.openxmlformats.org/markup-compatibility/2006">
+    <mc:Choice xmlns:p159="http://schemas.microsoft.com/office/powerpoint/2015/09/main" Requires="p159">
+      <p:transition xmlns:p14="http://schemas.microsoft.com/office/powerpoint/2010/main" spd="slow" p14:dur="2000">
+        <p159:morph option="byObject"/>
+      </p:transition>
+    </mc:Choice>
+    <mc:Fallback>
+      <p:transition spd="slow">
+        <p:fade/>
+      </p:transition>
+    </mc:Fallback>
+  </mc:AlternateContent>
 </p:sld>
 </file>
 
@@ -17308,6 +17614,18 @@
   <p:clrMapOvr>
     <a:masterClrMapping/>
   </p:clrMapOvr>
+  <mc:AlternateContent xmlns:mc="http://schemas.openxmlformats.org/markup-compatibility/2006">
+    <mc:Choice xmlns:p159="http://schemas.microsoft.com/office/powerpoint/2015/09/main" Requires="p159">
+      <p:transition xmlns:p14="http://schemas.microsoft.com/office/powerpoint/2010/main" spd="slow" p14:dur="2000">
+        <p159:morph option="byObject"/>
+      </p:transition>
+    </mc:Choice>
+    <mc:Fallback>
+      <p:transition spd="slow">
+        <p:fade/>
+      </p:transition>
+    </mc:Fallback>
+  </mc:AlternateContent>
 </p:sld>
 </file>
 
@@ -18375,6 +18693,18 @@
   <p:clrMapOvr>
     <a:masterClrMapping/>
   </p:clrMapOvr>
+  <mc:AlternateContent xmlns:mc="http://schemas.openxmlformats.org/markup-compatibility/2006">
+    <mc:Choice xmlns:p159="http://schemas.microsoft.com/office/powerpoint/2015/09/main" Requires="p159">
+      <p:transition xmlns:p14="http://schemas.microsoft.com/office/powerpoint/2010/main" spd="slow" p14:dur="2000">
+        <p159:morph option="byObject"/>
+      </p:transition>
+    </mc:Choice>
+    <mc:Fallback>
+      <p:transition spd="slow">
+        <p:fade/>
+      </p:transition>
+    </mc:Fallback>
+  </mc:AlternateContent>
 </p:sld>
 </file>
 
@@ -18642,6 +18972,18 @@
   <p:clrMapOvr>
     <a:masterClrMapping/>
   </p:clrMapOvr>
+  <mc:AlternateContent xmlns:mc="http://schemas.openxmlformats.org/markup-compatibility/2006">
+    <mc:Choice xmlns:p159="http://schemas.microsoft.com/office/powerpoint/2015/09/main" Requires="p159">
+      <p:transition xmlns:p14="http://schemas.microsoft.com/office/powerpoint/2010/main" spd="slow" p14:dur="2000">
+        <p159:morph option="byObject"/>
+      </p:transition>
+    </mc:Choice>
+    <mc:Fallback>
+      <p:transition spd="slow">
+        <p:fade/>
+      </p:transition>
+    </mc:Fallback>
+  </mc:AlternateContent>
 </p:sld>
 </file>
 
@@ -18949,6 +19291,18 @@
   <p:clrMapOvr>
     <a:masterClrMapping/>
   </p:clrMapOvr>
+  <mc:AlternateContent xmlns:mc="http://schemas.openxmlformats.org/markup-compatibility/2006">
+    <mc:Choice xmlns:p159="http://schemas.microsoft.com/office/powerpoint/2015/09/main" Requires="p159">
+      <p:transition xmlns:p14="http://schemas.microsoft.com/office/powerpoint/2010/main" spd="slow" p14:dur="2000">
+        <p159:morph option="byObject"/>
+      </p:transition>
+    </mc:Choice>
+    <mc:Fallback>
+      <p:transition spd="slow">
+        <p:fade/>
+      </p:transition>
+    </mc:Fallback>
+  </mc:AlternateContent>
 </p:sld>
 </file>
 
@@ -19098,6 +19452,18 @@
   <p:clrMapOvr>
     <a:masterClrMapping/>
   </p:clrMapOvr>
+  <mc:AlternateContent xmlns:mc="http://schemas.openxmlformats.org/markup-compatibility/2006">
+    <mc:Choice xmlns:p159="http://schemas.microsoft.com/office/powerpoint/2015/09/main" Requires="p159">
+      <p:transition xmlns:p14="http://schemas.microsoft.com/office/powerpoint/2010/main" spd="slow" p14:dur="2000">
+        <p159:morph option="byObject"/>
+      </p:transition>
+    </mc:Choice>
+    <mc:Fallback>
+      <p:transition spd="slow">
+        <p:fade/>
+      </p:transition>
+    </mc:Fallback>
+  </mc:AlternateContent>
 </p:sld>
 </file>
 
